--- a/nlp/Embedding.pptx
+++ b/nlp/Embedding.pptx
@@ -207,7 +207,7 @@
           <a:p>
             <a:fld id="{E338D3E2-78B9-46B1-B41D-5D49C5D26275}" type="datetimeFigureOut">
               <a:rPr lang="en-US" smtClean="0"/>
-              <a:t>11/9/2017</a:t>
+              <a:t>11/13/2017</a:t>
             </a:fld>
             <a:endParaRPr lang="en-US"/>
           </a:p>
@@ -2591,7 +2591,7 @@
           <a:p>
             <a:fld id="{D2B33C5E-802F-4E1E-BA6D-79BEA44A06DA}" type="datetimeFigureOut">
               <a:rPr lang="en-US" smtClean="0"/>
-              <a:t>11/9/2017</a:t>
+              <a:t>11/13/2017</a:t>
             </a:fld>
             <a:endParaRPr lang="en-US"/>
           </a:p>
@@ -2761,7 +2761,7 @@
           <a:p>
             <a:fld id="{D2B33C5E-802F-4E1E-BA6D-79BEA44A06DA}" type="datetimeFigureOut">
               <a:rPr lang="en-US" smtClean="0"/>
-              <a:t>11/9/2017</a:t>
+              <a:t>11/13/2017</a:t>
             </a:fld>
             <a:endParaRPr lang="en-US"/>
           </a:p>
@@ -2941,7 +2941,7 @@
           <a:p>
             <a:fld id="{D2B33C5E-802F-4E1E-BA6D-79BEA44A06DA}" type="datetimeFigureOut">
               <a:rPr lang="en-US" smtClean="0"/>
-              <a:t>11/9/2017</a:t>
+              <a:t>11/13/2017</a:t>
             </a:fld>
             <a:endParaRPr lang="en-US"/>
           </a:p>
@@ -3111,7 +3111,7 @@
           <a:p>
             <a:fld id="{D2B33C5E-802F-4E1E-BA6D-79BEA44A06DA}" type="datetimeFigureOut">
               <a:rPr lang="en-US" smtClean="0"/>
-              <a:t>11/9/2017</a:t>
+              <a:t>11/13/2017</a:t>
             </a:fld>
             <a:endParaRPr lang="en-US"/>
           </a:p>
@@ -3357,7 +3357,7 @@
           <a:p>
             <a:fld id="{D2B33C5E-802F-4E1E-BA6D-79BEA44A06DA}" type="datetimeFigureOut">
               <a:rPr lang="en-US" smtClean="0"/>
-              <a:t>11/9/2017</a:t>
+              <a:t>11/13/2017</a:t>
             </a:fld>
             <a:endParaRPr lang="en-US"/>
           </a:p>
@@ -3589,7 +3589,7 @@
           <a:p>
             <a:fld id="{D2B33C5E-802F-4E1E-BA6D-79BEA44A06DA}" type="datetimeFigureOut">
               <a:rPr lang="en-US" smtClean="0"/>
-              <a:t>11/9/2017</a:t>
+              <a:t>11/13/2017</a:t>
             </a:fld>
             <a:endParaRPr lang="en-US"/>
           </a:p>
@@ -3956,7 +3956,7 @@
           <a:p>
             <a:fld id="{D2B33C5E-802F-4E1E-BA6D-79BEA44A06DA}" type="datetimeFigureOut">
               <a:rPr lang="en-US" smtClean="0"/>
-              <a:t>11/9/2017</a:t>
+              <a:t>11/13/2017</a:t>
             </a:fld>
             <a:endParaRPr lang="en-US"/>
           </a:p>
@@ -4074,7 +4074,7 @@
           <a:p>
             <a:fld id="{D2B33C5E-802F-4E1E-BA6D-79BEA44A06DA}" type="datetimeFigureOut">
               <a:rPr lang="en-US" smtClean="0"/>
-              <a:t>11/9/2017</a:t>
+              <a:t>11/13/2017</a:t>
             </a:fld>
             <a:endParaRPr lang="en-US"/>
           </a:p>
@@ -4169,7 +4169,7 @@
           <a:p>
             <a:fld id="{D2B33C5E-802F-4E1E-BA6D-79BEA44A06DA}" type="datetimeFigureOut">
               <a:rPr lang="en-US" smtClean="0"/>
-              <a:t>11/9/2017</a:t>
+              <a:t>11/13/2017</a:t>
             </a:fld>
             <a:endParaRPr lang="en-US"/>
           </a:p>
@@ -4446,7 +4446,7 @@
           <a:p>
             <a:fld id="{D2B33C5E-802F-4E1E-BA6D-79BEA44A06DA}" type="datetimeFigureOut">
               <a:rPr lang="en-US" smtClean="0"/>
-              <a:t>11/9/2017</a:t>
+              <a:t>11/13/2017</a:t>
             </a:fld>
             <a:endParaRPr lang="en-US"/>
           </a:p>
@@ -4699,7 +4699,7 @@
           <a:p>
             <a:fld id="{D2B33C5E-802F-4E1E-BA6D-79BEA44A06DA}" type="datetimeFigureOut">
               <a:rPr lang="en-US" smtClean="0"/>
-              <a:t>11/9/2017</a:t>
+              <a:t>11/13/2017</a:t>
             </a:fld>
             <a:endParaRPr lang="en-US"/>
           </a:p>
@@ -4912,7 +4912,7 @@
           <a:p>
             <a:fld id="{D2B33C5E-802F-4E1E-BA6D-79BEA44A06DA}" type="datetimeFigureOut">
               <a:rPr lang="en-US" smtClean="0"/>
-              <a:t>11/9/2017</a:t>
+              <a:t>11/13/2017</a:t>
             </a:fld>
             <a:endParaRPr lang="en-US"/>
           </a:p>
@@ -5356,6 +5356,145 @@
           <a:lstStyle/>
           <a:p>
             <a:endParaRPr lang="en-US"/>
+          </a:p>
+        </p:txBody>
+      </p:sp>
+      <p:sp>
+        <p:nvSpPr>
+          <p:cNvPr id="4" name="TextBox 3">
+            <a:extLst>
+              <a:ext uri="{FF2B5EF4-FFF2-40B4-BE49-F238E27FC236}">
+                <a16:creationId xmlns:a16="http://schemas.microsoft.com/office/drawing/2014/main" id="{EC99D17C-9CAF-4CA3-AC60-BFC1E76BF537}"/>
+              </a:ext>
+            </a:extLst>
+          </p:cNvPr>
+          <p:cNvSpPr txBox="1"/>
+          <p:nvPr/>
+        </p:nvSpPr>
+        <p:spPr>
+          <a:xfrm>
+            <a:off x="9619361" y="6244120"/>
+            <a:ext cx="2613279" cy="923330"/>
+          </a:xfrm>
+          <a:prstGeom prst="rect">
+            <a:avLst/>
+          </a:prstGeom>
+          <a:noFill/>
+        </p:spPr>
+        <p:txBody>
+          <a:bodyPr wrap="none" rtlCol="0">
+            <a:spAutoFit/>
+          </a:bodyPr>
+          <a:lstStyle/>
+          <a:p>
+            <a:pPr algn="r"/>
+            <a:r>
+              <a:rPr lang="en-US" altLang="zh-CN" dirty="0" err="1">
+                <a:solidFill>
+                  <a:schemeClr val="tx1">
+                    <a:lumMod val="65000"/>
+                    <a:lumOff val="35000"/>
+                  </a:schemeClr>
+                </a:solidFill>
+              </a:rPr>
+              <a:t>BingAds</a:t>
+            </a:r>
+            <a:r>
+              <a:rPr lang="en-US" altLang="zh-CN" dirty="0">
+                <a:solidFill>
+                  <a:schemeClr val="tx1">
+                    <a:lumMod val="65000"/>
+                    <a:lumOff val="35000"/>
+                  </a:schemeClr>
+                </a:solidFill>
+              </a:rPr>
+              <a:t> </a:t>
+            </a:r>
+            <a:r>
+              <a:rPr lang="en-US" dirty="0">
+                <a:solidFill>
+                  <a:schemeClr val="tx1">
+                    <a:lumMod val="65000"/>
+                    <a:lumOff val="35000"/>
+                  </a:schemeClr>
+                </a:solidFill>
+              </a:rPr>
+              <a:t>UCM</a:t>
+            </a:r>
+            <a:r>
+              <a:rPr lang="zh-CN" altLang="en-US" dirty="0">
+                <a:solidFill>
+                  <a:schemeClr val="tx1">
+                    <a:lumMod val="65000"/>
+                    <a:lumOff val="35000"/>
+                  </a:schemeClr>
+                </a:solidFill>
+              </a:rPr>
+              <a:t>组内部分享</a:t>
+            </a:r>
+            <a:endParaRPr lang="en-US" altLang="zh-CN" dirty="0">
+              <a:solidFill>
+                <a:schemeClr val="tx1">
+                  <a:lumMod val="65000"/>
+                  <a:lumOff val="35000"/>
+                </a:schemeClr>
+              </a:solidFill>
+            </a:endParaRPr>
+          </a:p>
+          <a:p>
+            <a:pPr algn="r"/>
+            <a:r>
+              <a:rPr lang="zh-CN" altLang="en-US" dirty="0">
+                <a:solidFill>
+                  <a:schemeClr val="tx1">
+                    <a:lumMod val="65000"/>
+                    <a:lumOff val="35000"/>
+                  </a:schemeClr>
+                </a:solidFill>
+              </a:rPr>
+              <a:t>刘杨</a:t>
+            </a:r>
+            <a:r>
+              <a:rPr lang="en-US" altLang="zh-CN" dirty="0">
+                <a:solidFill>
+                  <a:schemeClr val="tx1">
+                    <a:lumMod val="65000"/>
+                    <a:lumOff val="35000"/>
+                  </a:schemeClr>
+                </a:solidFill>
+              </a:rPr>
+              <a:t> </a:t>
+            </a:r>
+            <a:r>
+              <a:rPr lang="en-US" dirty="0" smtClean="0">
+                <a:solidFill>
+                  <a:schemeClr val="tx1">
+                    <a:lumMod val="65000"/>
+                    <a:lumOff val="35000"/>
+                  </a:schemeClr>
+                </a:solidFill>
+              </a:rPr>
+              <a:t>2017/11/13</a:t>
+            </a:r>
+            <a:endParaRPr lang="en-US" dirty="0">
+              <a:solidFill>
+                <a:schemeClr val="tx1">
+                  <a:lumMod val="65000"/>
+                  <a:lumOff val="35000"/>
+                </a:schemeClr>
+              </a:solidFill>
+            </a:endParaRPr>
+          </a:p>
+          <a:p>
+            <a:pPr algn="r"/>
+            <a:endParaRPr lang="en-US" altLang="zh-CN" dirty="0">
+              <a:solidFill>
+                <a:schemeClr val="tx1">
+                  <a:lumMod val="65000"/>
+                  <a:lumOff val="35000"/>
+                </a:schemeClr>
+              </a:solidFill>
+            </a:endParaRPr>
           </a:p>
         </p:txBody>
       </p:sp>
